--- a/_site/materials/OS-M3/OS-M3-S2-R-Part-I/OS-M3-S2-R-Part-I-slides.pptx
+++ b/_site/materials/OS-M3/OS-M3-S2-R-Part-I/OS-M3-S2-R-Part-I-slides.pptx
@@ -4913,7 +4913,7 @@
             </a:pPr>
             <a:r>
               <a:rPr/>
-              <a:t>14/08/2025</a:t>
+              <a:t>20/08/2025</a:t>
             </a:r>
           </a:p>
         </p:txBody>

--- a/_site/materials/OS-M3/OS-M3-S2-R-Part-I/OS-M3-S2-R-Part-I-slides.pptx
+++ b/_site/materials/OS-M3/OS-M3-S2-R-Part-I/OS-M3-S2-R-Part-I-slides.pptx
@@ -4913,7 +4913,7 @@
             </a:pPr>
             <a:r>
               <a:rPr/>
-              <a:t>20/08/2025</a:t>
+              <a:t>21/08/2025</a:t>
             </a:r>
           </a:p>
         </p:txBody>

--- a/_site/materials/OS-M3/OS-M3-S2-R-Part-I/OS-M3-S2-R-Part-I-slides.pptx
+++ b/_site/materials/OS-M3/OS-M3-S2-R-Part-I/OS-M3-S2-R-Part-I-slides.pptx
@@ -4913,7 +4913,7 @@
             </a:pPr>
             <a:r>
               <a:rPr/>
-              <a:t>21/08/2025</a:t>
+              <a:t>28/08/2025</a:t>
             </a:r>
           </a:p>
         </p:txBody>

--- a/_site/materials/OS-M3/OS-M3-S2-R-Part-I/OS-M3-S2-R-Part-I-slides.pptx
+++ b/_site/materials/OS-M3/OS-M3-S2-R-Part-I/OS-M3-S2-R-Part-I-slides.pptx
@@ -4913,7 +4913,7 @@
             </a:pPr>
             <a:r>
               <a:rPr/>
-              <a:t>28/08/2025</a:t>
+              <a:t>29/08/2025</a:t>
             </a:r>
           </a:p>
         </p:txBody>

--- a/_site/materials/OS-M3/OS-M3-S2-R-Part-I/OS-M3-S2-R-Part-I-slides.pptx
+++ b/_site/materials/OS-M3/OS-M3-S2-R-Part-I/OS-M3-S2-R-Part-I-slides.pptx
@@ -4913,7 +4913,7 @@
             </a:pPr>
             <a:r>
               <a:rPr/>
-              <a:t>29/08/2025</a:t>
+              <a:t>03/09/2025</a:t>
             </a:r>
           </a:p>
         </p:txBody>

--- a/_site/materials/OS-M3/OS-M3-S2-R-Part-I/OS-M3-S2-R-Part-I-slides.pptx
+++ b/_site/materials/OS-M3/OS-M3-S2-R-Part-I/OS-M3-S2-R-Part-I-slides.pptx
@@ -4913,7 +4913,7 @@
             </a:pPr>
             <a:r>
               <a:rPr/>
-              <a:t>03/09/2025</a:t>
+              <a:t>04/09/2025</a:t>
             </a:r>
           </a:p>
         </p:txBody>
